--- a/Lectures/AndrewGuestLectureR0/R0 lecture.pptx
+++ b/Lectures/AndrewGuestLectureR0/R0 lecture.pptx
@@ -50,8 +50,10 @@
     <p:sldId id="304" r:id="rId47"/>
     <p:sldId id="305" r:id="rId48"/>
     <p:sldId id="306" r:id="rId49"/>
-    <p:sldId id="264" r:id="rId50"/>
-    <p:sldId id="265" r:id="rId51"/>
+    <p:sldId id="308" r:id="rId50"/>
+    <p:sldId id="307" r:id="rId51"/>
+    <p:sldId id="264" r:id="rId52"/>
+    <p:sldId id="265" r:id="rId53"/>
   </p:sldIdLst>
   <p:sldSz cx="12192000" cy="6858000"/>
   <p:notesSz cx="6858000" cy="9144000"/>
@@ -305,7 +307,7 @@
           <a:p>
             <a:fld id="{7882E90B-3254-4632-BE4A-3397EB07208C}" type="datetimeFigureOut">
               <a:rPr lang="en-US" smtClean="0"/>
-              <a:t>11/9/2021</a:t>
+              <a:t>11/10/2021</a:t>
             </a:fld>
             <a:endParaRPr lang="en-US"/>
           </a:p>
@@ -503,7 +505,7 @@
           <a:p>
             <a:fld id="{7882E90B-3254-4632-BE4A-3397EB07208C}" type="datetimeFigureOut">
               <a:rPr lang="en-US" smtClean="0"/>
-              <a:t>11/9/2021</a:t>
+              <a:t>11/10/2021</a:t>
             </a:fld>
             <a:endParaRPr lang="en-US"/>
           </a:p>
@@ -711,7 +713,7 @@
           <a:p>
             <a:fld id="{7882E90B-3254-4632-BE4A-3397EB07208C}" type="datetimeFigureOut">
               <a:rPr lang="en-US" smtClean="0"/>
-              <a:t>11/9/2021</a:t>
+              <a:t>11/10/2021</a:t>
             </a:fld>
             <a:endParaRPr lang="en-US"/>
           </a:p>
@@ -909,7 +911,7 @@
           <a:p>
             <a:fld id="{7882E90B-3254-4632-BE4A-3397EB07208C}" type="datetimeFigureOut">
               <a:rPr lang="en-US" smtClean="0"/>
-              <a:t>11/9/2021</a:t>
+              <a:t>11/10/2021</a:t>
             </a:fld>
             <a:endParaRPr lang="en-US"/>
           </a:p>
@@ -1184,7 +1186,7 @@
           <a:p>
             <a:fld id="{7882E90B-3254-4632-BE4A-3397EB07208C}" type="datetimeFigureOut">
               <a:rPr lang="en-US" smtClean="0"/>
-              <a:t>11/9/2021</a:t>
+              <a:t>11/10/2021</a:t>
             </a:fld>
             <a:endParaRPr lang="en-US"/>
           </a:p>
@@ -1449,7 +1451,7 @@
           <a:p>
             <a:fld id="{7882E90B-3254-4632-BE4A-3397EB07208C}" type="datetimeFigureOut">
               <a:rPr lang="en-US" smtClean="0"/>
-              <a:t>11/9/2021</a:t>
+              <a:t>11/10/2021</a:t>
             </a:fld>
             <a:endParaRPr lang="en-US"/>
           </a:p>
@@ -1861,7 +1863,7 @@
           <a:p>
             <a:fld id="{7882E90B-3254-4632-BE4A-3397EB07208C}" type="datetimeFigureOut">
               <a:rPr lang="en-US" smtClean="0"/>
-              <a:t>11/9/2021</a:t>
+              <a:t>11/10/2021</a:t>
             </a:fld>
             <a:endParaRPr lang="en-US"/>
           </a:p>
@@ -2002,7 +2004,7 @@
           <a:p>
             <a:fld id="{7882E90B-3254-4632-BE4A-3397EB07208C}" type="datetimeFigureOut">
               <a:rPr lang="en-US" smtClean="0"/>
-              <a:t>11/9/2021</a:t>
+              <a:t>11/10/2021</a:t>
             </a:fld>
             <a:endParaRPr lang="en-US"/>
           </a:p>
@@ -2115,7 +2117,7 @@
           <a:p>
             <a:fld id="{7882E90B-3254-4632-BE4A-3397EB07208C}" type="datetimeFigureOut">
               <a:rPr lang="en-US" smtClean="0"/>
-              <a:t>11/9/2021</a:t>
+              <a:t>11/10/2021</a:t>
             </a:fld>
             <a:endParaRPr lang="en-US"/>
           </a:p>
@@ -2426,7 +2428,7 @@
           <a:p>
             <a:fld id="{7882E90B-3254-4632-BE4A-3397EB07208C}" type="datetimeFigureOut">
               <a:rPr lang="en-US" smtClean="0"/>
-              <a:t>11/9/2021</a:t>
+              <a:t>11/10/2021</a:t>
             </a:fld>
             <a:endParaRPr lang="en-US"/>
           </a:p>
@@ -2714,7 +2716,7 @@
           <a:p>
             <a:fld id="{7882E90B-3254-4632-BE4A-3397EB07208C}" type="datetimeFigureOut">
               <a:rPr lang="en-US" smtClean="0"/>
-              <a:t>11/9/2021</a:t>
+              <a:t>11/10/2021</a:t>
             </a:fld>
             <a:endParaRPr lang="en-US"/>
           </a:p>
@@ -2960,7 +2962,7 @@
           <a:p>
             <a:fld id="{7882E90B-3254-4632-BE4A-3397EB07208C}" type="datetimeFigureOut">
               <a:rPr lang="en-US" smtClean="0"/>
-              <a:t>11/9/2021</a:t>
+              <a:t>11/10/2021</a:t>
             </a:fld>
             <a:endParaRPr lang="en-US"/>
           </a:p>
@@ -6478,7 +6480,15 @@
                 </a14:m>
                 <a:r>
                   <a:rPr lang="en-US" dirty="0"/>
-                  <a:t> be the Jacobians of </a:t>
+                  <a:t> be the Jacobians (matrix of 1</a:t>
+                </a:r>
+                <a:r>
+                  <a:rPr lang="en-US" baseline="30000" dirty="0"/>
+                  <a:t>st</a:t>
+                </a:r>
+                <a:r>
+                  <a:rPr lang="en-US" dirty="0"/>
+                  <a:t> derivatives) of </a:t>
                 </a:r>
                 <a14:m>
                   <m:oMath xmlns:m="http://schemas.openxmlformats.org/officeDocument/2006/math">
@@ -10568,42 +10578,6 @@
             </a:endParaRPr>
           </a:p>
           <a:p>
-            <a:pPr marL="228600" marR="0" lvl="0" indent="-228600" algn="l" defTabSz="914400" rtl="0" eaLnBrk="1" fontAlgn="auto" latinLnBrk="0" hangingPunct="1">
-              <a:lnSpc>
-                <a:spcPct val="90000"/>
-              </a:lnSpc>
-              <a:spcBef>
-                <a:spcPts val="1000"/>
-              </a:spcBef>
-              <a:spcAft>
-                <a:spcPts val="0"/>
-              </a:spcAft>
-              <a:buClrTx/>
-              <a:buSzTx/>
-              <a:buFont typeface="Arial" panose="020B0604020202020204" pitchFamily="34" charset="0"/>
-              <a:buChar char="•"/>
-              <a:tabLst/>
-              <a:defRPr/>
-            </a:pPr>
-            <a:r>
-              <a:rPr kumimoji="0" lang="en-US" sz="2800" b="0" i="0" u="none" strike="noStrike" kern="1200" cap="none" spc="0" normalizeH="0" baseline="0" noProof="0" dirty="0">
-                <a:ln>
-                  <a:noFill/>
-                </a:ln>
-                <a:solidFill>
-                  <a:prstClr val="black"/>
-                </a:solidFill>
-                <a:effectLst/>
-                <a:uLnTx/>
-                <a:uFillTx/>
-                <a:latin typeface="Calibri" panose="020F0502020204030204"/>
-                <a:ea typeface="+mn-ea"/>
-                <a:cs typeface="+mn-cs"/>
-              </a:rPr>
-              <a:t>Imagine a newly infected individual entering compartment k:</a:t>
-            </a:r>
-          </a:p>
-          <a:p>
             <a:pPr marL="0" lvl="0" indent="0">
               <a:buNone/>
               <a:defRPr/>
@@ -12750,42 +12724,6 @@
             </a:endParaRPr>
           </a:p>
           <a:p>
-            <a:pPr marL="228600" marR="0" lvl="0" indent="-228600" algn="l" defTabSz="914400" rtl="0" eaLnBrk="1" fontAlgn="auto" latinLnBrk="0" hangingPunct="1">
-              <a:lnSpc>
-                <a:spcPct val="90000"/>
-              </a:lnSpc>
-              <a:spcBef>
-                <a:spcPts val="1000"/>
-              </a:spcBef>
-              <a:spcAft>
-                <a:spcPts val="0"/>
-              </a:spcAft>
-              <a:buClrTx/>
-              <a:buSzTx/>
-              <a:buFont typeface="Arial" panose="020B0604020202020204" pitchFamily="34" charset="0"/>
-              <a:buChar char="•"/>
-              <a:tabLst/>
-              <a:defRPr/>
-            </a:pPr>
-            <a:r>
-              <a:rPr kumimoji="0" lang="en-US" sz="2800" b="0" i="0" u="none" strike="noStrike" kern="1200" cap="none" spc="0" normalizeH="0" baseline="0" noProof="0" dirty="0">
-                <a:ln>
-                  <a:noFill/>
-                </a:ln>
-                <a:solidFill>
-                  <a:prstClr val="black"/>
-                </a:solidFill>
-                <a:effectLst/>
-                <a:uLnTx/>
-                <a:uFillTx/>
-                <a:latin typeface="Calibri" panose="020F0502020204030204"/>
-                <a:ea typeface="+mn-ea"/>
-                <a:cs typeface="+mn-cs"/>
-              </a:rPr>
-              <a:t>Imagine a newly infected individual entering compartment k:</a:t>
-            </a:r>
-          </a:p>
-          <a:p>
             <a:pPr marL="0" lvl="0" indent="0">
               <a:buNone/>
               <a:defRPr/>
@@ -12941,7 +12879,7 @@
             </p:nvSpPr>
             <p:spPr>
               <a:xfrm>
-                <a:off x="4314825" y="4866343"/>
+                <a:off x="4314825" y="4256743"/>
                 <a:ext cx="2549672" cy="1041632"/>
               </a:xfrm>
               <a:prstGeom prst="rect">
@@ -13067,7 +13005,7 @@
             </p:nvSpPr>
             <p:spPr>
               <a:xfrm>
-                <a:off x="4314825" y="4866343"/>
+                <a:off x="4314825" y="4256743"/>
                 <a:ext cx="2549672" cy="1041632"/>
               </a:xfrm>
               <a:prstGeom prst="rect">
@@ -13109,7 +13047,7 @@
         </p:nvSpPr>
         <p:spPr>
           <a:xfrm>
-            <a:off x="6864497" y="4000362"/>
+            <a:off x="6864497" y="3390762"/>
             <a:ext cx="3725132" cy="923330"/>
           </a:xfrm>
           <a:prstGeom prst="rect">
@@ -13144,7 +13082,7 @@
         </p:nvSpPr>
         <p:spPr>
           <a:xfrm>
-            <a:off x="5589661" y="6127625"/>
+            <a:off x="5589661" y="5518025"/>
             <a:ext cx="2133600" cy="646331"/>
           </a:xfrm>
           <a:prstGeom prst="rect">
@@ -13179,7 +13117,7 @@
         </p:nvCxnSpPr>
         <p:spPr>
           <a:xfrm>
-            <a:off x="5838825" y="5191125"/>
+            <a:off x="5838825" y="4581525"/>
             <a:ext cx="180975" cy="866775"/>
           </a:xfrm>
           <a:prstGeom prst="line">
@@ -13217,7 +13155,7 @@
         </p:nvCxnSpPr>
         <p:spPr>
           <a:xfrm>
-            <a:off x="5838825" y="5778438"/>
+            <a:off x="5838825" y="5168838"/>
             <a:ext cx="180975" cy="263634"/>
           </a:xfrm>
           <a:prstGeom prst="line">
@@ -14501,7 +14439,7 @@
             <p:spPr>
               <a:xfrm>
                 <a:off x="3981450" y="3248025"/>
-                <a:ext cx="2943755" cy="889924"/>
+                <a:ext cx="2911759" cy="889924"/>
               </a:xfrm>
               <a:prstGeom prst="rect">
                 <a:avLst/>
@@ -14560,9 +14498,9 @@
                                   <m:e>
                                     <m:r>
                                       <a:rPr lang="en-US" sz="2800" b="0" i="1" smtClean="0">
-                                        <a:latin typeface="Cambria Math"/>
+                                        <a:latin typeface="Cambria Math" panose="02040503050406030204" pitchFamily="18" charset="0"/>
                                       </a:rPr>
-                                      <m:t>𝐸</m:t>
+                                      <m:t>𝐿</m:t>
                                     </m:r>
                                   </m:e>
                                   <m:sub>
@@ -14679,9 +14617,9 @@
                                   <m:e>
                                     <m:r>
                                       <a:rPr lang="en-US" sz="2800" b="0" i="1" smtClean="0">
-                                        <a:latin typeface="Cambria Math"/>
+                                        <a:latin typeface="Cambria Math" panose="02040503050406030204" pitchFamily="18" charset="0"/>
                                       </a:rPr>
-                                      <m:t>𝐸</m:t>
+                                      <m:t>𝐿</m:t>
                                     </m:r>
                                   </m:e>
                                   <m:sub>
@@ -14755,7 +14693,7 @@
             <p:spPr>
               <a:xfrm>
                 <a:off x="3981450" y="3248025"/>
-                <a:ext cx="2943755" cy="889924"/>
+                <a:ext cx="2911759" cy="889924"/>
               </a:xfrm>
               <a:prstGeom prst="rect">
                 <a:avLst/>
@@ -15057,8 +14995,8 @@
         </p:nvCxnSpPr>
         <p:spPr>
           <a:xfrm flipH="1" flipV="1">
-            <a:off x="6925205" y="3692987"/>
-            <a:ext cx="585129" cy="633506"/>
+            <a:off x="6893209" y="3692987"/>
+            <a:ext cx="617127" cy="633506"/>
           </a:xfrm>
           <a:prstGeom prst="line">
             <a:avLst/>
@@ -15436,6 +15374,36 @@
           <a:chExt cx="0" cy="0"/>
         </a:xfrm>
       </p:grpSpPr>
+      <p:pic>
+        <p:nvPicPr>
+          <p:cNvPr id="13" name="Picture 12">
+            <a:extLst>
+              <a:ext uri="{FF2B5EF4-FFF2-40B4-BE49-F238E27FC236}">
+                <a16:creationId xmlns:a16="http://schemas.microsoft.com/office/drawing/2014/main" id="{80923759-44BE-4C65-9C4D-AB6A030A421B}"/>
+              </a:ext>
+            </a:extLst>
+          </p:cNvPr>
+          <p:cNvPicPr>
+            <a:picLocks noChangeAspect="1"/>
+          </p:cNvPicPr>
+          <p:nvPr/>
+        </p:nvPicPr>
+        <p:blipFill>
+          <a:blip r:embed="rId2"/>
+          <a:stretch>
+            <a:fillRect/>
+          </a:stretch>
+        </p:blipFill>
+        <p:spPr>
+          <a:xfrm>
+            <a:off x="7086602" y="1324154"/>
+            <a:ext cx="4880538" cy="5029200"/>
+          </a:xfrm>
+          <a:prstGeom prst="rect">
+            <a:avLst/>
+          </a:prstGeom>
+        </p:spPr>
+      </p:pic>
       <p:sp>
         <p:nvSpPr>
           <p:cNvPr id="2" name="Title 1">
@@ -15658,7 +15626,7 @@
                 <a:avLst/>
               </a:prstGeom>
               <a:blipFill>
-                <a:blip r:embed="rId2"/>
+                <a:blip r:embed="rId3"/>
                 <a:stretch>
                   <a:fillRect/>
                 </a:stretch>
@@ -15793,7 +15761,7 @@
                 <a:avLst/>
               </a:prstGeom>
               <a:blipFill>
-                <a:blip r:embed="rId3"/>
+                <a:blip r:embed="rId4"/>
                 <a:stretch>
                   <a:fillRect/>
                 </a:stretch>
@@ -15814,36 +15782,6 @@
           </p:sp>
         </mc:Fallback>
       </mc:AlternateContent>
-      <p:pic>
-        <p:nvPicPr>
-          <p:cNvPr id="18" name="Picture 17">
-            <a:extLst>
-              <a:ext uri="{FF2B5EF4-FFF2-40B4-BE49-F238E27FC236}">
-                <a16:creationId xmlns:a16="http://schemas.microsoft.com/office/drawing/2014/main" id="{0BAD5FA0-DA52-444D-803E-54364F769B4E}"/>
-              </a:ext>
-            </a:extLst>
-          </p:cNvPr>
-          <p:cNvPicPr>
-            <a:picLocks noChangeAspect="1"/>
-          </p:cNvPicPr>
-          <p:nvPr/>
-        </p:nvPicPr>
-        <p:blipFill>
-          <a:blip r:embed="rId4"/>
-          <a:stretch>
-            <a:fillRect/>
-          </a:stretch>
-        </p:blipFill>
-        <p:spPr>
-          <a:xfrm>
-            <a:off x="7086602" y="1825625"/>
-            <a:ext cx="4555450" cy="4774990"/>
-          </a:xfrm>
-          <a:prstGeom prst="rect">
-            <a:avLst/>
-          </a:prstGeom>
-        </p:spPr>
-      </p:pic>
       <p:sp>
         <p:nvSpPr>
           <p:cNvPr id="19" name="TextBox 18">
@@ -15893,7 +15831,7 @@
         </p:nvSpPr>
         <p:spPr>
           <a:xfrm>
-            <a:off x="9906000" y="4635069"/>
+            <a:off x="7702645" y="1577649"/>
             <a:ext cx="1905000" cy="646331"/>
           </a:xfrm>
           <a:prstGeom prst="rect">
@@ -15928,7 +15866,7 @@
         </p:nvSpPr>
         <p:spPr>
           <a:xfrm>
-            <a:off x="7800975" y="1841190"/>
+            <a:off x="10237695" y="4264267"/>
             <a:ext cx="2232210" cy="923330"/>
           </a:xfrm>
           <a:prstGeom prst="rect">
@@ -15965,8 +15903,8 @@
         </p:nvCxnSpPr>
         <p:spPr>
           <a:xfrm>
-            <a:off x="8420100" y="2764520"/>
-            <a:ext cx="95250" cy="1448600"/>
+            <a:off x="9283366" y="1924662"/>
+            <a:ext cx="771525" cy="496223"/>
           </a:xfrm>
           <a:prstGeom prst="line">
             <a:avLst/>
@@ -16003,8 +15941,8 @@
         </p:nvCxnSpPr>
         <p:spPr>
           <a:xfrm>
-            <a:off x="9159694" y="4843930"/>
-            <a:ext cx="679631" cy="194795"/>
+            <a:off x="10897855" y="3096297"/>
+            <a:ext cx="261936" cy="1155513"/>
           </a:xfrm>
           <a:prstGeom prst="line">
             <a:avLst/>
@@ -16041,7 +15979,7 @@
             </p:nvSpPr>
             <p:spPr>
               <a:xfrm>
-                <a:off x="9209424" y="5192176"/>
+                <a:off x="7873817" y="2191042"/>
                 <a:ext cx="1485900" cy="381788"/>
               </a:xfrm>
               <a:prstGeom prst="rect">
@@ -16109,7 +16047,7 @@
             </p:nvSpPr>
             <p:spPr>
               <a:xfrm>
-                <a:off x="9209424" y="5192176"/>
+                <a:off x="7873817" y="2191042"/>
                 <a:ext cx="1485900" cy="381788"/>
               </a:xfrm>
               <a:prstGeom prst="rect">
@@ -16118,7 +16056,7 @@
               <a:blipFill>
                 <a:blip r:embed="rId5"/>
                 <a:stretch>
-                  <a:fillRect t="-9677" b="-22581"/>
+                  <a:fillRect t="-7937" b="-20635"/>
                 </a:stretch>
               </a:blipFill>
             </p:spPr>
@@ -16153,7 +16091,7 @@
             </p:nvSpPr>
             <p:spPr>
               <a:xfrm>
-                <a:off x="8391525" y="2665147"/>
+                <a:off x="10493041" y="5081744"/>
                 <a:ext cx="1333500" cy="369332"/>
               </a:xfrm>
               <a:prstGeom prst="rect">
@@ -16229,7 +16167,7 @@
             </p:nvSpPr>
             <p:spPr>
               <a:xfrm>
-                <a:off x="8391525" y="2665147"/>
+                <a:off x="10493041" y="5081744"/>
                 <a:ext cx="1333500" cy="369332"/>
               </a:xfrm>
               <a:prstGeom prst="rect">
@@ -16238,7 +16176,7 @@
               <a:blipFill>
                 <a:blip r:embed="rId6"/>
                 <a:stretch>
-                  <a:fillRect t="-8197" b="-24590"/>
+                  <a:fillRect t="-10000" b="-26667"/>
                 </a:stretch>
               </a:blipFill>
             </p:spPr>
@@ -16315,8 +16253,8 @@
           </a:p>
         </p:txBody>
       </p:sp>
-      <mc:AlternateContent xmlns:mc="http://schemas.openxmlformats.org/markup-compatibility/2006">
-        <mc:Choice xmlns:a14="http://schemas.microsoft.com/office/drawing/2010/main" Requires="a14">
+      <mc:AlternateContent xmlns:mc="http://schemas.openxmlformats.org/markup-compatibility/2006" xmlns:a14="http://schemas.microsoft.com/office/drawing/2010/main">
+        <mc:Choice Requires="a14">
           <p:sp>
             <p:nvSpPr>
               <p:cNvPr id="3" name="Content Placeholder 2">
@@ -16393,7 +16331,7 @@
               <a:p>
                 <a:r>
                   <a:rPr lang="en-US" dirty="0"/>
-                  <a:t>But, we don’t want long-term, linear  behavior, which will quickly deviate from the true non-linear behavior. We want </a:t>
+                  <a:t>But, we don’t care about long-term, linear  behavior, per se, which will quickly deviate from the true non-linear behavior. We want </a:t>
                 </a:r>
                 <a:r>
                   <a:rPr lang="en-US" i="1" dirty="0"/>
@@ -16410,7 +16348,7 @@
             </p:txBody>
           </p:sp>
         </mc:Choice>
-        <mc:Fallback>
+        <mc:Fallback xmlns="">
           <p:sp>
             <p:nvSpPr>
               <p:cNvPr id="3" name="Content Placeholder 2">
@@ -16435,7 +16373,7 @@
               <a:blipFill>
                 <a:blip r:embed="rId2"/>
                 <a:stretch>
-                  <a:fillRect l="-1881" t="-2241" r="-1985"/>
+                  <a:fillRect l="-1881" t="-2241" r="-209" b="-140"/>
                 </a:stretch>
               </a:blipFill>
             </p:spPr>
@@ -16456,10 +16394,10 @@
       </mc:AlternateContent>
       <p:pic>
         <p:nvPicPr>
-          <p:cNvPr id="5" name="Picture 4">
+          <p:cNvPr id="8" name="Picture 7">
             <a:extLst>
               <a:ext uri="{FF2B5EF4-FFF2-40B4-BE49-F238E27FC236}">
-                <a16:creationId xmlns:a16="http://schemas.microsoft.com/office/drawing/2014/main" id="{8E9D5FCB-A6CD-4077-AA6A-69457CBF4FB3}"/>
+                <a16:creationId xmlns:a16="http://schemas.microsoft.com/office/drawing/2014/main" id="{3FECD640-92ED-4345-B504-59F5A761CF8A}"/>
               </a:ext>
             </a:extLst>
           </p:cNvPr>
@@ -16476,8 +16414,8 @@
         </p:blipFill>
         <p:spPr>
           <a:xfrm>
-            <a:off x="7102365" y="1228840"/>
-            <a:ext cx="4540469" cy="4781320"/>
+            <a:off x="7172971" y="1362075"/>
+            <a:ext cx="4770864" cy="5029200"/>
           </a:xfrm>
           <a:prstGeom prst="rect">
             <a:avLst/>
@@ -16871,10 +16809,10 @@
       </mc:AlternateContent>
       <p:pic>
         <p:nvPicPr>
-          <p:cNvPr id="5" name="Picture 4">
+          <p:cNvPr id="6" name="Picture 5">
             <a:extLst>
               <a:ext uri="{FF2B5EF4-FFF2-40B4-BE49-F238E27FC236}">
-                <a16:creationId xmlns:a16="http://schemas.microsoft.com/office/drawing/2014/main" id="{37E871A2-F8CC-45F5-BEDA-9054E9D06056}"/>
+                <a16:creationId xmlns:a16="http://schemas.microsoft.com/office/drawing/2014/main" id="{A9BE7C94-AB61-4D24-8560-433693C7B2E7}"/>
               </a:ext>
             </a:extLst>
           </p:cNvPr>
@@ -16891,8 +16829,8 @@
         </p:blipFill>
         <p:spPr>
           <a:xfrm>
-            <a:off x="7216102" y="1342136"/>
-            <a:ext cx="4299624" cy="4430014"/>
+            <a:off x="7118544" y="1309480"/>
+            <a:ext cx="4680064" cy="5029200"/>
           </a:xfrm>
           <a:prstGeom prst="rect">
             <a:avLst/>
@@ -18098,10 +18036,10 @@
       </p:sp>
       <p:pic>
         <p:nvPicPr>
-          <p:cNvPr id="4" name="Picture 3">
+          <p:cNvPr id="5" name="Picture 4">
             <a:extLst>
               <a:ext uri="{FF2B5EF4-FFF2-40B4-BE49-F238E27FC236}">
-                <a16:creationId xmlns:a16="http://schemas.microsoft.com/office/drawing/2014/main" id="{6D3132EF-22BB-4F6C-B76D-946B5AEFA440}"/>
+                <a16:creationId xmlns:a16="http://schemas.microsoft.com/office/drawing/2014/main" id="{4AFC1500-83D7-4CD6-9F38-34D756F13231}"/>
               </a:ext>
             </a:extLst>
           </p:cNvPr>
@@ -18118,8 +18056,8 @@
         </p:blipFill>
         <p:spPr>
           <a:xfrm>
-            <a:off x="936139" y="1453642"/>
-            <a:ext cx="3870435" cy="4091736"/>
+            <a:off x="993019" y="1448602"/>
+            <a:ext cx="3756676" cy="3960793"/>
           </a:xfrm>
           <a:prstGeom prst="rect">
             <a:avLst/>
@@ -18128,10 +18066,10 @@
       </p:pic>
       <p:pic>
         <p:nvPicPr>
-          <p:cNvPr id="7" name="Picture 6">
+          <p:cNvPr id="10" name="Picture 9">
             <a:extLst>
               <a:ext uri="{FF2B5EF4-FFF2-40B4-BE49-F238E27FC236}">
-                <a16:creationId xmlns:a16="http://schemas.microsoft.com/office/drawing/2014/main" id="{8756E3B9-5C68-4CC6-AA41-838895C05ABA}"/>
+                <a16:creationId xmlns:a16="http://schemas.microsoft.com/office/drawing/2014/main" id="{524D40BC-E427-4B88-A61A-EE5583347055}"/>
               </a:ext>
             </a:extLst>
           </p:cNvPr>
@@ -18148,8 +18086,8 @@
         </p:blipFill>
         <p:spPr>
           <a:xfrm>
-            <a:off x="6096000" y="1307982"/>
-            <a:ext cx="4035468" cy="4242035"/>
+            <a:off x="6230559" y="1437672"/>
+            <a:ext cx="3756676" cy="3960614"/>
           </a:xfrm>
           <a:prstGeom prst="rect">
             <a:avLst/>
@@ -30595,7 +30533,7 @@
               <a:p>
                 <a:r>
                   <a:rPr lang="en-US" dirty="0"/>
-                  <a:t>So we can write </a:t>
+                  <a:t>So, we can write </a:t>
                 </a:r>
                 <a14:m>
                   <m:oMath xmlns:m="http://schemas.openxmlformats.org/officeDocument/2006/math">
@@ -31759,6 +31697,478 @@
           <p:cNvPr id="2" name="Title 1">
             <a:extLst>
               <a:ext uri="{FF2B5EF4-FFF2-40B4-BE49-F238E27FC236}">
+                <a16:creationId xmlns:a16="http://schemas.microsoft.com/office/drawing/2014/main" id="{A73F5C7E-5C99-461D-9FE3-F142613AE5A3}"/>
+              </a:ext>
+            </a:extLst>
+          </p:cNvPr>
+          <p:cNvSpPr>
+            <a:spLocks noGrp="1"/>
+          </p:cNvSpPr>
+          <p:nvPr>
+            <p:ph type="title"/>
+          </p:nvPr>
+        </p:nvSpPr>
+        <p:spPr/>
+        <p:txBody>
+          <a:bodyPr/>
+          <a:lstStyle/>
+          <a:p>
+            <a:r>
+              <a:rPr lang="en-US" dirty="0"/>
+              <a:t>Exercises</a:t>
+            </a:r>
+          </a:p>
+        </p:txBody>
+      </p:sp>
+      <p:sp>
+        <p:nvSpPr>
+          <p:cNvPr id="3" name="Content Placeholder 2">
+            <a:extLst>
+              <a:ext uri="{FF2B5EF4-FFF2-40B4-BE49-F238E27FC236}">
+                <a16:creationId xmlns:a16="http://schemas.microsoft.com/office/drawing/2014/main" id="{47BCA80C-54E3-4A66-9FE8-D57AF14485B7}"/>
+              </a:ext>
+            </a:extLst>
+          </p:cNvPr>
+          <p:cNvSpPr>
+            <a:spLocks noGrp="1"/>
+          </p:cNvSpPr>
+          <p:nvPr>
+            <p:ph idx="1"/>
+          </p:nvPr>
+        </p:nvSpPr>
+        <p:spPr>
+          <a:xfrm>
+            <a:off x="838200" y="1825625"/>
+            <a:ext cx="4038600" cy="4351338"/>
+          </a:xfrm>
+        </p:spPr>
+        <p:txBody>
+          <a:bodyPr/>
+          <a:lstStyle/>
+          <a:p>
+            <a:r>
+              <a:rPr lang="en-US" dirty="0"/>
+              <a:t>Environmental transmission</a:t>
+            </a:r>
+          </a:p>
+          <a:p>
+            <a:r>
+              <a:rPr lang="en-US" dirty="0" err="1"/>
+              <a:t>Vectorborne</a:t>
+            </a:r>
+            <a:r>
+              <a:rPr lang="en-US" dirty="0"/>
+              <a:t> transmission</a:t>
+            </a:r>
+          </a:p>
+          <a:p>
+            <a:r>
+              <a:rPr lang="en-US" dirty="0"/>
+              <a:t>Between- and within-subgroup transmission</a:t>
+            </a:r>
+          </a:p>
+        </p:txBody>
+      </p:sp>
+      <p:pic>
+        <p:nvPicPr>
+          <p:cNvPr id="5" name="Picture 4">
+            <a:extLst>
+              <a:ext uri="{FF2B5EF4-FFF2-40B4-BE49-F238E27FC236}">
+                <a16:creationId xmlns:a16="http://schemas.microsoft.com/office/drawing/2014/main" id="{374041E7-6EF3-4F86-93FE-6B8DCBB00C9D}"/>
+              </a:ext>
+            </a:extLst>
+          </p:cNvPr>
+          <p:cNvPicPr>
+            <a:picLocks noChangeAspect="1"/>
+          </p:cNvPicPr>
+          <p:nvPr/>
+        </p:nvPicPr>
+        <p:blipFill>
+          <a:blip r:embed="rId2"/>
+          <a:stretch>
+            <a:fillRect/>
+          </a:stretch>
+        </p:blipFill>
+        <p:spPr>
+          <a:xfrm>
+            <a:off x="5223676" y="1690688"/>
+            <a:ext cx="6353243" cy="4095750"/>
+          </a:xfrm>
+          <a:prstGeom prst="rect">
+            <a:avLst/>
+          </a:prstGeom>
+        </p:spPr>
+      </p:pic>
+    </p:spTree>
+    <p:extLst>
+      <p:ext uri="{BB962C8B-B14F-4D97-AF65-F5344CB8AC3E}">
+        <p14:creationId xmlns:p14="http://schemas.microsoft.com/office/powerpoint/2010/main" val="189606239"/>
+      </p:ext>
+    </p:extLst>
+  </p:cSld>
+  <p:clrMapOvr>
+    <a:masterClrMapping/>
+  </p:clrMapOvr>
+</p:sld>
+</file>
+
+<file path=ppt/slides/slide47.xml><?xml version="1.0" encoding="utf-8"?>
+<p:sld xmlns:a="http://schemas.openxmlformats.org/drawingml/2006/main" xmlns:r="http://schemas.openxmlformats.org/officeDocument/2006/relationships" xmlns:p="http://schemas.openxmlformats.org/presentationml/2006/main">
+  <p:cSld>
+    <p:spTree>
+      <p:nvGrpSpPr>
+        <p:cNvPr id="1" name=""/>
+        <p:cNvGrpSpPr/>
+        <p:nvPr/>
+      </p:nvGrpSpPr>
+      <p:grpSpPr>
+        <a:xfrm>
+          <a:off x="0" y="0"/>
+          <a:ext cx="0" cy="0"/>
+          <a:chOff x="0" y="0"/>
+          <a:chExt cx="0" cy="0"/>
+        </a:xfrm>
+      </p:grpSpPr>
+      <p:sp>
+        <p:nvSpPr>
+          <p:cNvPr id="2" name="Title 1">
+            <a:extLst>
+              <a:ext uri="{FF2B5EF4-FFF2-40B4-BE49-F238E27FC236}">
+                <a16:creationId xmlns:a16="http://schemas.microsoft.com/office/drawing/2014/main" id="{5AC1F3D0-09B5-4218-B79D-F9CE010D82DB}"/>
+              </a:ext>
+            </a:extLst>
+          </p:cNvPr>
+          <p:cNvSpPr>
+            <a:spLocks noGrp="1"/>
+          </p:cNvSpPr>
+          <p:nvPr>
+            <p:ph type="title"/>
+          </p:nvPr>
+        </p:nvSpPr>
+        <p:spPr/>
+        <p:txBody>
+          <a:bodyPr/>
+          <a:lstStyle/>
+          <a:p>
+            <a:r>
+              <a:rPr lang="en-US" dirty="0"/>
+              <a:t>Take-aways and suggestions</a:t>
+            </a:r>
+          </a:p>
+        </p:txBody>
+      </p:sp>
+      <mc:AlternateContent xmlns:mc="http://schemas.openxmlformats.org/markup-compatibility/2006">
+        <mc:Choice xmlns:a14="http://schemas.microsoft.com/office/drawing/2010/main" Requires="a14">
+          <p:sp>
+            <p:nvSpPr>
+              <p:cNvPr id="3" name="Content Placeholder 2">
+                <a:extLst>
+                  <a:ext uri="{FF2B5EF4-FFF2-40B4-BE49-F238E27FC236}">
+                    <a16:creationId xmlns:a16="http://schemas.microsoft.com/office/drawing/2014/main" id="{BCA57257-FB1D-46BB-8EB7-3010DF99252F}"/>
+                  </a:ext>
+                </a:extLst>
+              </p:cNvPr>
+              <p:cNvSpPr>
+                <a:spLocks noGrp="1"/>
+              </p:cNvSpPr>
+              <p:nvPr>
+                <p:ph idx="1"/>
+              </p:nvPr>
+            </p:nvSpPr>
+            <p:spPr/>
+            <p:txBody>
+              <a:bodyPr/>
+              <a:lstStyle/>
+              <a:p>
+                <a:r>
+                  <a:rPr lang="en-US" dirty="0"/>
+                  <a:t>A geometric interpretation of the next generation matrix helps explain why the basic reproduction is the spectral radius</a:t>
+                </a:r>
+              </a:p>
+              <a:p>
+                <a:r>
+                  <a:rPr lang="en-US" dirty="0"/>
+                  <a:t>Stepping through interpretations for the entries of </a:t>
+                </a:r>
+                <a14:m>
+                  <m:oMath xmlns:m="http://schemas.openxmlformats.org/officeDocument/2006/math">
+                    <m:r>
+                      <m:rPr>
+                        <m:sty m:val="p"/>
+                      </m:rPr>
+                      <a:rPr lang="en-US">
+                        <a:latin typeface="Cambria Math" panose="02040503050406030204" pitchFamily="18" charset="0"/>
+                      </a:rPr>
+                      <m:t>F</m:t>
+                    </m:r>
+                    <m:r>
+                      <a:rPr lang="en-US" b="0" i="0" smtClean="0">
+                        <a:latin typeface="Cambria Math" panose="02040503050406030204" pitchFamily="18" charset="0"/>
+                      </a:rPr>
+                      <m:t>,</m:t>
+                    </m:r>
+                    <m:sSup>
+                      <m:sSupPr>
+                        <m:ctrlPr>
+                          <a:rPr lang="en-US" i="1">
+                            <a:latin typeface="Cambria Math" panose="02040503050406030204" pitchFamily="18" charset="0"/>
+                          </a:rPr>
+                        </m:ctrlPr>
+                      </m:sSupPr>
+                      <m:e>
+                        <m:r>
+                          <a:rPr lang="en-US" i="1">
+                            <a:latin typeface="Cambria Math" panose="02040503050406030204" pitchFamily="18" charset="0"/>
+                          </a:rPr>
+                          <m:t>𝑉</m:t>
+                        </m:r>
+                      </m:e>
+                      <m:sup>
+                        <m:r>
+                          <a:rPr lang="en-US" i="1">
+                            <a:latin typeface="Cambria Math" panose="02040503050406030204" pitchFamily="18" charset="0"/>
+                          </a:rPr>
+                          <m:t>−1</m:t>
+                        </m:r>
+                      </m:sup>
+                    </m:sSup>
+                  </m:oMath>
+                </a14:m>
+                <a:r>
+                  <a:rPr lang="en-US" dirty="0"/>
+                  <a:t>, and </a:t>
+                </a:r>
+                <a14:m>
+                  <m:oMath xmlns:m="http://schemas.openxmlformats.org/officeDocument/2006/math">
+                    <m:r>
+                      <m:rPr>
+                        <m:sty m:val="p"/>
+                      </m:rPr>
+                      <a:rPr lang="en-US" b="0" i="0" smtClean="0">
+                        <a:latin typeface="Cambria Math" panose="02040503050406030204" pitchFamily="18" charset="0"/>
+                      </a:rPr>
+                      <m:t>F</m:t>
+                    </m:r>
+                    <m:sSup>
+                      <m:sSupPr>
+                        <m:ctrlPr>
+                          <a:rPr lang="en-US" b="0" i="1" smtClean="0">
+                            <a:latin typeface="Cambria Math" panose="02040503050406030204" pitchFamily="18" charset="0"/>
+                          </a:rPr>
+                        </m:ctrlPr>
+                      </m:sSupPr>
+                      <m:e>
+                        <m:r>
+                          <a:rPr lang="en-US" b="0" i="1" smtClean="0">
+                            <a:latin typeface="Cambria Math" panose="02040503050406030204" pitchFamily="18" charset="0"/>
+                          </a:rPr>
+                          <m:t>𝑉</m:t>
+                        </m:r>
+                      </m:e>
+                      <m:sup>
+                        <m:r>
+                          <a:rPr lang="en-US" b="0" i="1" smtClean="0">
+                            <a:latin typeface="Cambria Math" panose="02040503050406030204" pitchFamily="18" charset="0"/>
+                          </a:rPr>
+                          <m:t>−1</m:t>
+                        </m:r>
+                      </m:sup>
+                    </m:sSup>
+                  </m:oMath>
+                </a14:m>
+                <a:r>
+                  <a:rPr lang="en-US" dirty="0"/>
+                  <a:t> can help make understanding </a:t>
+                </a:r>
+                <a14:m>
+                  <m:oMath xmlns:m="http://schemas.openxmlformats.org/officeDocument/2006/math">
+                    <m:sSub>
+                      <m:sSubPr>
+                        <m:ctrlPr>
+                          <a:rPr lang="en-US" i="1">
+                            <a:latin typeface="Cambria Math" panose="02040503050406030204" pitchFamily="18" charset="0"/>
+                          </a:rPr>
+                        </m:ctrlPr>
+                      </m:sSubPr>
+                      <m:e>
+                        <m:r>
+                          <a:rPr lang="en-US" i="1">
+                            <a:latin typeface="Cambria Math" panose="02040503050406030204" pitchFamily="18" charset="0"/>
+                          </a:rPr>
+                          <m:t>𝑅</m:t>
+                        </m:r>
+                      </m:e>
+                      <m:sub>
+                        <m:r>
+                          <a:rPr lang="en-US" i="1">
+                            <a:latin typeface="Cambria Math" panose="02040503050406030204" pitchFamily="18" charset="0"/>
+                          </a:rPr>
+                          <m:t>0</m:t>
+                        </m:r>
+                      </m:sub>
+                    </m:sSub>
+                  </m:oMath>
+                </a14:m>
+                <a:r>
+                  <a:rPr lang="en-US" dirty="0"/>
+                  <a:t> easier</a:t>
+                </a:r>
+              </a:p>
+              <a:p>
+                <a14:m>
+                  <m:oMath xmlns:m="http://schemas.openxmlformats.org/officeDocument/2006/math">
+                    <m:sSub>
+                      <m:sSubPr>
+                        <m:ctrlPr>
+                          <a:rPr lang="en-US" i="1" smtClean="0">
+                            <a:latin typeface="Cambria Math" panose="02040503050406030204" pitchFamily="18" charset="0"/>
+                          </a:rPr>
+                        </m:ctrlPr>
+                      </m:sSubPr>
+                      <m:e>
+                        <m:r>
+                          <a:rPr lang="en-US" i="1">
+                            <a:latin typeface="Cambria Math" panose="02040503050406030204" pitchFamily="18" charset="0"/>
+                          </a:rPr>
+                          <m:t>𝑅</m:t>
+                        </m:r>
+                      </m:e>
+                      <m:sub>
+                        <m:r>
+                          <a:rPr lang="en-US" i="1">
+                            <a:latin typeface="Cambria Math" panose="02040503050406030204" pitchFamily="18" charset="0"/>
+                          </a:rPr>
+                          <m:t>0</m:t>
+                        </m:r>
+                      </m:sub>
+                    </m:sSub>
+                  </m:oMath>
+                </a14:m>
+                <a:r>
+                  <a:rPr lang="en-US" dirty="0"/>
+                  <a:t> depends on what we decide counts as a new infection. This is an epidemiological not mathematical decision.</a:t>
+                </a:r>
+              </a:p>
+              <a:p>
+                <a:r>
+                  <a:rPr lang="en-US" dirty="0"/>
+                  <a:t>Calculating and interpreting </a:t>
+                </a:r>
+                <a14:m>
+                  <m:oMath xmlns:m="http://schemas.openxmlformats.org/officeDocument/2006/math">
+                    <m:sSub>
+                      <m:sSubPr>
+                        <m:ctrlPr>
+                          <a:rPr lang="en-US" sz="2800" i="1" smtClean="0">
+                            <a:latin typeface="Cambria Math" panose="02040503050406030204" pitchFamily="18" charset="0"/>
+                          </a:rPr>
+                        </m:ctrlPr>
+                      </m:sSubPr>
+                      <m:e>
+                        <m:r>
+                          <a:rPr lang="en-US" sz="2800" b="0" i="1" smtClean="0">
+                            <a:latin typeface="Cambria Math" panose="02040503050406030204" pitchFamily="18" charset="0"/>
+                          </a:rPr>
+                          <m:t>𝑅</m:t>
+                        </m:r>
+                      </m:e>
+                      <m:sub>
+                        <m:r>
+                          <a:rPr lang="en-US" sz="2800" b="0" i="1" smtClean="0">
+                            <a:latin typeface="Cambria Math" panose="02040503050406030204" pitchFamily="18" charset="0"/>
+                          </a:rPr>
+                          <m:t>0</m:t>
+                        </m:r>
+                      </m:sub>
+                    </m:sSub>
+                  </m:oMath>
+                </a14:m>
+                <a:r>
+                  <a:rPr lang="en-US" dirty="0"/>
+                  <a:t> for simpler models than your target model can build intuition</a:t>
+                </a:r>
+              </a:p>
+              <a:p>
+                <a:endParaRPr lang="en-US" dirty="0"/>
+              </a:p>
+            </p:txBody>
+          </p:sp>
+        </mc:Choice>
+        <mc:Fallback>
+          <p:sp>
+            <p:nvSpPr>
+              <p:cNvPr id="3" name="Content Placeholder 2">
+                <a:extLst>
+                  <a:ext uri="{FF2B5EF4-FFF2-40B4-BE49-F238E27FC236}">
+                    <a16:creationId xmlns:a16="http://schemas.microsoft.com/office/drawing/2014/main" id="{BCA57257-FB1D-46BB-8EB7-3010DF99252F}"/>
+                  </a:ext>
+                </a:extLst>
+              </p:cNvPr>
+              <p:cNvSpPr>
+                <a:spLocks noGrp="1" noRot="1" noChangeAspect="1" noMove="1" noResize="1" noEditPoints="1" noAdjustHandles="1" noChangeArrowheads="1" noChangeShapeType="1" noTextEdit="1"/>
+              </p:cNvSpPr>
+              <p:nvPr>
+                <p:ph idx="1"/>
+              </p:nvPr>
+            </p:nvSpPr>
+            <p:spPr>
+              <a:blipFill>
+                <a:blip r:embed="rId2"/>
+                <a:stretch>
+                  <a:fillRect l="-1043" t="-2241"/>
+                </a:stretch>
+              </a:blipFill>
+            </p:spPr>
+            <p:txBody>
+              <a:bodyPr/>
+              <a:lstStyle/>
+              <a:p>
+                <a:r>
+                  <a:rPr lang="en-US">
+                    <a:noFill/>
+                  </a:rPr>
+                  <a:t> </a:t>
+                </a:r>
+              </a:p>
+            </p:txBody>
+          </p:sp>
+        </mc:Fallback>
+      </mc:AlternateContent>
+    </p:spTree>
+    <p:extLst>
+      <p:ext uri="{BB962C8B-B14F-4D97-AF65-F5344CB8AC3E}">
+        <p14:creationId xmlns:p14="http://schemas.microsoft.com/office/powerpoint/2010/main" val="3710853140"/>
+      </p:ext>
+    </p:extLst>
+  </p:cSld>
+  <p:clrMapOvr>
+    <a:masterClrMapping/>
+  </p:clrMapOvr>
+</p:sld>
+</file>
+
+<file path=ppt/slides/slide48.xml><?xml version="1.0" encoding="utf-8"?>
+<p:sld xmlns:a="http://schemas.openxmlformats.org/drawingml/2006/main" xmlns:r="http://schemas.openxmlformats.org/officeDocument/2006/relationships" xmlns:p="http://schemas.openxmlformats.org/presentationml/2006/main">
+  <p:cSld>
+    <p:spTree>
+      <p:nvGrpSpPr>
+        <p:cNvPr id="1" name=""/>
+        <p:cNvGrpSpPr/>
+        <p:nvPr/>
+      </p:nvGrpSpPr>
+      <p:grpSpPr>
+        <a:xfrm>
+          <a:off x="0" y="0"/>
+          <a:ext cx="0" cy="0"/>
+          <a:chOff x="0" y="0"/>
+          <a:chExt cx="0" cy="0"/>
+        </a:xfrm>
+      </p:grpSpPr>
+      <p:sp>
+        <p:nvSpPr>
+          <p:cNvPr id="2" name="Title 1">
+            <a:extLst>
+              <a:ext uri="{FF2B5EF4-FFF2-40B4-BE49-F238E27FC236}">
                 <a16:creationId xmlns:a16="http://schemas.microsoft.com/office/drawing/2014/main" id="{117F4179-B670-4FA0-BDEC-835BB53D8783}"/>
               </a:ext>
             </a:extLst>
@@ -31973,7 +32383,7 @@
 </p:sld>
 </file>
 
-<file path=ppt/slides/slide47.xml><?xml version="1.0" encoding="utf-8"?>
+<file path=ppt/slides/slide49.xml><?xml version="1.0" encoding="utf-8"?>
 <p:sld xmlns:a="http://schemas.openxmlformats.org/drawingml/2006/main" xmlns:r="http://schemas.openxmlformats.org/officeDocument/2006/relationships" xmlns:p="http://schemas.openxmlformats.org/presentationml/2006/main">
   <p:cSld>
     <p:spTree>
@@ -32332,42 +32742,122 @@
           </p:sp>
         </mc:Fallback>
       </mc:AlternateContent>
-      <p:sp>
-        <p:nvSpPr>
-          <p:cNvPr id="3" name="Content Placeholder 2">
-            <a:extLst>
-              <a:ext uri="{FF2B5EF4-FFF2-40B4-BE49-F238E27FC236}">
-                <a16:creationId xmlns:a16="http://schemas.microsoft.com/office/drawing/2014/main" id="{D6AEAB71-9F4A-4DE2-B3D1-16FC0D73522A}"/>
-              </a:ext>
-            </a:extLst>
-          </p:cNvPr>
-          <p:cNvSpPr>
-            <a:spLocks noGrp="1"/>
-          </p:cNvSpPr>
-          <p:nvPr>
-            <p:ph idx="1"/>
-          </p:nvPr>
-        </p:nvSpPr>
-        <p:spPr>
-          <a:xfrm>
-            <a:off x="838200" y="1873250"/>
-            <a:ext cx="10515600" cy="4351338"/>
-          </a:xfrm>
-        </p:spPr>
-        <p:txBody>
-          <a:bodyPr/>
-          <a:lstStyle/>
-          <a:p>
-            <a:r>
-              <a:rPr lang="en-US" dirty="0"/>
-              <a:t>In the classic SIR model, R0 is the contact rate times the average duration of the infectious period</a:t>
-            </a:r>
-          </a:p>
-          <a:p>
-            <a:endParaRPr lang="en-US" dirty="0"/>
-          </a:p>
-        </p:txBody>
-      </p:sp>
+      <mc:AlternateContent xmlns:mc="http://schemas.openxmlformats.org/markup-compatibility/2006" xmlns:a14="http://schemas.microsoft.com/office/drawing/2010/main">
+        <mc:Choice Requires="a14">
+          <p:sp>
+            <p:nvSpPr>
+              <p:cNvPr id="3" name="Content Placeholder 2">
+                <a:extLst>
+                  <a:ext uri="{FF2B5EF4-FFF2-40B4-BE49-F238E27FC236}">
+                    <a16:creationId xmlns:a16="http://schemas.microsoft.com/office/drawing/2014/main" id="{D6AEAB71-9F4A-4DE2-B3D1-16FC0D73522A}"/>
+                  </a:ext>
+                </a:extLst>
+              </p:cNvPr>
+              <p:cNvSpPr>
+                <a:spLocks noGrp="1"/>
+              </p:cNvSpPr>
+              <p:nvPr>
+                <p:ph idx="1"/>
+              </p:nvPr>
+            </p:nvSpPr>
+            <p:spPr>
+              <a:xfrm>
+                <a:off x="838200" y="1873250"/>
+                <a:ext cx="10515600" cy="4351338"/>
+              </a:xfrm>
+            </p:spPr>
+            <p:txBody>
+              <a:bodyPr/>
+              <a:lstStyle/>
+              <a:p>
+                <a:r>
+                  <a:rPr lang="en-US" dirty="0"/>
+                  <a:t>In the classic SIR model, </a:t>
+                </a:r>
+                <a14:m>
+                  <m:oMath xmlns:m="http://schemas.openxmlformats.org/officeDocument/2006/math">
+                    <m:sSub>
+                      <m:sSubPr>
+                        <m:ctrlPr>
+                          <a:rPr lang="en-US" sz="2800" i="1" smtClean="0">
+                            <a:latin typeface="Cambria Math" panose="02040503050406030204" pitchFamily="18" charset="0"/>
+                          </a:rPr>
+                        </m:ctrlPr>
+                      </m:sSubPr>
+                      <m:e>
+                        <m:r>
+                          <a:rPr lang="en-US" sz="2800" b="0" i="1" smtClean="0">
+                            <a:latin typeface="Cambria Math" panose="02040503050406030204" pitchFamily="18" charset="0"/>
+                          </a:rPr>
+                          <m:t>𝑅</m:t>
+                        </m:r>
+                      </m:e>
+                      <m:sub>
+                        <m:r>
+                          <a:rPr lang="en-US" sz="2800" b="0" i="1" smtClean="0">
+                            <a:latin typeface="Cambria Math" panose="02040503050406030204" pitchFamily="18" charset="0"/>
+                          </a:rPr>
+                          <m:t>0</m:t>
+                        </m:r>
+                      </m:sub>
+                    </m:sSub>
+                  </m:oMath>
+                </a14:m>
+                <a:r>
+                  <a:rPr lang="en-US" dirty="0"/>
+                  <a:t> is the contact rate times the average duration of the infectious period</a:t>
+                </a:r>
+              </a:p>
+              <a:p>
+                <a:endParaRPr lang="en-US" dirty="0"/>
+              </a:p>
+            </p:txBody>
+          </p:sp>
+        </mc:Choice>
+        <mc:Fallback xmlns="">
+          <p:sp>
+            <p:nvSpPr>
+              <p:cNvPr id="3" name="Content Placeholder 2">
+                <a:extLst>
+                  <a:ext uri="{FF2B5EF4-FFF2-40B4-BE49-F238E27FC236}">
+                    <a16:creationId xmlns:a16="http://schemas.microsoft.com/office/drawing/2014/main" id="{D6AEAB71-9F4A-4DE2-B3D1-16FC0D73522A}"/>
+                  </a:ext>
+                </a:extLst>
+              </p:cNvPr>
+              <p:cNvSpPr>
+                <a:spLocks noGrp="1" noRot="1" noChangeAspect="1" noMove="1" noResize="1" noEditPoints="1" noAdjustHandles="1" noChangeArrowheads="1" noChangeShapeType="1" noTextEdit="1"/>
+              </p:cNvSpPr>
+              <p:nvPr>
+                <p:ph idx="1"/>
+              </p:nvPr>
+            </p:nvSpPr>
+            <p:spPr>
+              <a:xfrm>
+                <a:off x="838200" y="1873250"/>
+                <a:ext cx="10515600" cy="4351338"/>
+              </a:xfrm>
+              <a:blipFill>
+                <a:blip r:embed="rId3"/>
+                <a:stretch>
+                  <a:fillRect l="-1043" t="-2241"/>
+                </a:stretch>
+              </a:blipFill>
+            </p:spPr>
+            <p:txBody>
+              <a:bodyPr/>
+              <a:lstStyle/>
+              <a:p>
+                <a:r>
+                  <a:rPr lang="en-US">
+                    <a:noFill/>
+                  </a:rPr>
+                  <a:t> </a:t>
+                </a:r>
+              </a:p>
+            </p:txBody>
+          </p:sp>
+        </mc:Fallback>
+      </mc:AlternateContent>
       <mc:AlternateContent xmlns:mc="http://schemas.openxmlformats.org/markup-compatibility/2006" xmlns:a14="http://schemas.microsoft.com/office/drawing/2010/main">
         <mc:Choice Requires="a14">
           <p:sp>
@@ -32629,7 +33119,7 @@
                 <a:avLst/>
               </a:prstGeom>
               <a:blipFill>
-                <a:blip r:embed="rId3"/>
+                <a:blip r:embed="rId4"/>
                 <a:stretch>
                   <a:fillRect/>
                 </a:stretch>
@@ -32842,7 +33332,7 @@
                 <a:avLst/>
               </a:prstGeom>
               <a:blipFill>
-                <a:blip r:embed="rId4"/>
+                <a:blip r:embed="rId5"/>
                 <a:stretch>
                   <a:fillRect/>
                 </a:stretch>
